--- a/ppt/Quantization and offloading.pptx
+++ b/ppt/Quantization and offloading.pptx
@@ -1,6 +1,6 @@
 
 <file path=ppt/presentation.xml><?xml version="1.0" encoding="utf-8"?>
-<p:presentation xmlns:a="http://schemas.openxmlformats.org/drawingml/2006/main" xmlns:r="http://schemas.openxmlformats.org/officeDocument/2006/relationships" xmlns:p="http://schemas.openxmlformats.org/presentationml/2006/main" saveSubsetFonts="1">
+<p:presentation xmlns:a="http://schemas.openxmlformats.org/drawingml/2006/main" xmlns:r="http://schemas.openxmlformats.org/officeDocument/2006/relationships" xmlns:p="http://schemas.openxmlformats.org/presentationml/2006/main" showSpecialPlsOnTitleSld="0" saveSubsetFonts="1">
   <p:sldMasterIdLst>
     <p:sldMasterId id="2147483648" r:id="rId4"/>
   </p:sldMasterIdLst>
@@ -252,7 +252,7 @@
           <a:p>
             <a:fld id="{23CEAAF3-9831-450B-8D59-2C09DB96C8FC}" type="datetimeFigureOut">
               <a:rPr lang="en-US"/>
-              <a:t>08-Jan-24</a:t>
+              <a:t>11-Jan-24</a:t>
             </a:fld>
             <a:endParaRPr/>
           </a:p>
@@ -417,7 +417,7 @@
           <a:p>
             <a:fld id="{2D50CD79-FC16-4410-AB61-17F26E6D3BC8}" type="datetimeFigureOut">
               <a:rPr lang="en-US"/>
-              <a:t>08-Jan-24</a:t>
+              <a:t>11-Jan-24</a:t>
             </a:fld>
             <a:endParaRPr/>
           </a:p>
@@ -1056,10 +1056,9 @@
             </a:lvl1pPr>
           </a:lstStyle>
           <a:p>
-            <a:fld id="{402B9795-92DC-40DC-A1CA-9A4B349D7824}" type="datetimeFigureOut">
+            <a:fld id="{04D2676D-6BBF-41C4-BF71-1DED06541309}" type="datetime1">
               <a:rPr lang="en-US" smtClean="0"/>
-              <a:pPr/>
-              <a:t>08-Jan-24</a:t>
+              <a:t>11-Jan-24</a:t>
             </a:fld>
             <a:endParaRPr lang="en-US" dirty="0"/>
           </a:p>
@@ -1091,7 +1090,10 @@
             </a:lvl1pPr>
           </a:lstStyle>
           <a:p>
-            <a:endParaRPr lang="en-US"/>
+            <a:r>
+              <a:rPr lang="en-US"/>
+              <a:t>Visit Murat Karakaya Akademi YouTube Channel for the tutorial video</a:t>
+            </a:r>
           </a:p>
         </p:txBody>
       </p:sp>
@@ -1351,9 +1353,9 @@
           <a:bodyPr/>
           <a:lstStyle/>
           <a:p>
-            <a:fld id="{402B9795-92DC-40DC-A1CA-9A4B349D7824}" type="datetimeFigureOut">
-              <a:rPr lang="en-US"/>
-              <a:t>08-Jan-24</a:t>
+            <a:fld id="{3F620600-43AA-4055-BBA5-7CF803C94DEC}" type="datetime1">
+              <a:rPr lang="en-US" smtClean="0"/>
+              <a:t>11-Jan-24</a:t>
             </a:fld>
             <a:endParaRPr/>
           </a:p>
@@ -1374,6 +1376,10 @@
           <a:bodyPr/>
           <a:lstStyle/>
           <a:p>
+            <a:r>
+              <a:rPr lang="en-US"/>
+              <a:t>Visit Murat Karakaya Akademi YouTube Channel for the tutorial video</a:t>
+            </a:r>
             <a:endParaRPr/>
           </a:p>
         </p:txBody>
@@ -1533,9 +1539,9 @@
           <a:bodyPr/>
           <a:lstStyle/>
           <a:p>
-            <a:fld id="{402B9795-92DC-40DC-A1CA-9A4B349D7824}" type="datetimeFigureOut">
-              <a:rPr lang="en-US"/>
-              <a:t>08-Jan-24</a:t>
+            <a:fld id="{96DB1C82-535E-4D1B-8D58-C103BAC2371A}" type="datetime1">
+              <a:rPr lang="en-US" smtClean="0"/>
+              <a:t>11-Jan-24</a:t>
             </a:fld>
             <a:endParaRPr/>
           </a:p>
@@ -1556,6 +1562,10 @@
           <a:bodyPr/>
           <a:lstStyle/>
           <a:p>
+            <a:r>
+              <a:rPr lang="en-US"/>
+              <a:t>Visit Murat Karakaya Akademi YouTube Channel for the tutorial video</a:t>
+            </a:r>
             <a:endParaRPr/>
           </a:p>
         </p:txBody>
@@ -1725,9 +1735,9 @@
           <a:bodyPr/>
           <a:lstStyle/>
           <a:p>
-            <a:fld id="{402B9795-92DC-40DC-A1CA-9A4B349D7824}" type="datetimeFigureOut">
-              <a:rPr lang="en-US"/>
-              <a:t>08-Jan-24</a:t>
+            <a:fld id="{C4555299-9BA2-4F9C-8D50-0260AD6252CE}" type="datetime1">
+              <a:rPr lang="en-US" smtClean="0"/>
+              <a:t>11-Jan-24</a:t>
             </a:fld>
             <a:endParaRPr/>
           </a:p>
@@ -1748,6 +1758,10 @@
           <a:bodyPr/>
           <a:lstStyle/>
           <a:p>
+            <a:r>
+              <a:rPr lang="en-US"/>
+              <a:t>Visit Murat Karakaya Akademi YouTube Channel for the tutorial video</a:t>
+            </a:r>
             <a:endParaRPr/>
           </a:p>
         </p:txBody>
@@ -1981,29 +1995,6 @@
       </p:sp>
       <p:sp>
         <p:nvSpPr>
-          <p:cNvPr id="4" name="Date Placeholder 3"/>
-          <p:cNvSpPr>
-            <a:spLocks noGrp="1"/>
-          </p:cNvSpPr>
-          <p:nvPr>
-            <p:ph type="dt" sz="half" idx="10"/>
-          </p:nvPr>
-        </p:nvSpPr>
-        <p:spPr/>
-        <p:txBody>
-          <a:bodyPr/>
-          <a:lstStyle/>
-          <a:p>
-            <a:fld id="{402B9795-92DC-40DC-A1CA-9A4B349D7824}" type="datetimeFigureOut">
-              <a:rPr lang="en-US"/>
-              <a:t>08-Jan-24</a:t>
-            </a:fld>
-            <a:endParaRPr/>
-          </a:p>
-        </p:txBody>
-      </p:sp>
-      <p:sp>
-        <p:nvSpPr>
           <p:cNvPr id="5" name="Footer Placeholder 4"/>
           <p:cNvSpPr>
             <a:spLocks noGrp="1"/>
@@ -2012,12 +2003,48 @@
             <p:ph type="ftr" sz="quarter" idx="11"/>
           </p:nvPr>
         </p:nvSpPr>
-        <p:spPr/>
+        <p:spPr>
+          <a:xfrm>
+            <a:off x="1104900" y="6356350"/>
+            <a:ext cx="6323082" cy="365126"/>
+          </a:xfrm>
+        </p:spPr>
         <p:txBody>
           <a:bodyPr/>
-          <a:lstStyle/>
-          <a:p>
-            <a:endParaRPr/>
+          <a:lstStyle>
+            <a:lvl1pPr algn="l">
+              <a:defRPr sz="1050" i="1"/>
+            </a:lvl1pPr>
+          </a:lstStyle>
+          <a:p>
+            <a:r>
+              <a:rPr lang="en-US" dirty="0"/>
+              <a:t>Visit </a:t>
+            </a:r>
+            <a:r>
+              <a:rPr lang="en-US" b="1" dirty="0"/>
+              <a:t>Murat </a:t>
+            </a:r>
+            <a:r>
+              <a:rPr lang="en-US" b="1" dirty="0" err="1"/>
+              <a:t>Karakaya</a:t>
+            </a:r>
+            <a:r>
+              <a:rPr lang="en-US" b="1" dirty="0"/>
+              <a:t> </a:t>
+            </a:r>
+            <a:r>
+              <a:rPr lang="en-US" b="1" dirty="0" err="1"/>
+              <a:t>Akademi</a:t>
+            </a:r>
+            <a:r>
+              <a:rPr lang="en-US" b="1" dirty="0"/>
+              <a:t> </a:t>
+            </a:r>
+            <a:r>
+              <a:rPr lang="en-US" dirty="0"/>
+              <a:t>YouTube Channel for the tutorial video</a:t>
+            </a:r>
           </a:p>
         </p:txBody>
       </p:sp>
@@ -3023,9 +3050,9 @@
           <a:bodyPr/>
           <a:lstStyle/>
           <a:p>
-            <a:fld id="{402B9795-92DC-40DC-A1CA-9A4B349D7824}" type="datetimeFigureOut">
-              <a:rPr lang="en-US"/>
-              <a:t>08-Jan-24</a:t>
+            <a:fld id="{E84B3900-5CAA-4D34-91C4-A457563067AF}" type="datetime1">
+              <a:rPr lang="en-US" smtClean="0"/>
+              <a:t>11-Jan-24</a:t>
             </a:fld>
             <a:endParaRPr/>
           </a:p>
@@ -3046,6 +3073,10 @@
           <a:bodyPr/>
           <a:lstStyle/>
           <a:p>
+            <a:r>
+              <a:rPr lang="en-US"/>
+              <a:t>Visit Murat Karakaya Akademi YouTube Channel for the tutorial video</a:t>
+            </a:r>
             <a:endParaRPr/>
           </a:p>
         </p:txBody>
@@ -3296,9 +3327,9 @@
           <a:bodyPr/>
           <a:lstStyle/>
           <a:p>
-            <a:fld id="{402B9795-92DC-40DC-A1CA-9A4B349D7824}" type="datetimeFigureOut">
-              <a:rPr lang="en-US"/>
-              <a:t>08-Jan-24</a:t>
+            <a:fld id="{ED7A6618-818D-490E-8D45-B7C2C4BE1FD5}" type="datetime1">
+              <a:rPr lang="en-US" smtClean="0"/>
+              <a:t>11-Jan-24</a:t>
             </a:fld>
             <a:endParaRPr/>
           </a:p>
@@ -3319,6 +3350,10 @@
           <a:bodyPr/>
           <a:lstStyle/>
           <a:p>
+            <a:r>
+              <a:rPr lang="en-US"/>
+              <a:t>Visit Murat Karakaya Akademi YouTube Channel for the tutorial video</a:t>
+            </a:r>
             <a:endParaRPr/>
           </a:p>
         </p:txBody>
@@ -3676,9 +3711,9 @@
           <a:bodyPr/>
           <a:lstStyle/>
           <a:p>
-            <a:fld id="{402B9795-92DC-40DC-A1CA-9A4B349D7824}" type="datetimeFigureOut">
-              <a:rPr lang="en-US"/>
-              <a:t>08-Jan-24</a:t>
+            <a:fld id="{A6331D1F-77F5-4CE1-935D-9CC16DB16A18}" type="datetime1">
+              <a:rPr lang="en-US" smtClean="0"/>
+              <a:t>11-Jan-24</a:t>
             </a:fld>
             <a:endParaRPr/>
           </a:p>
@@ -3699,6 +3734,10 @@
           <a:bodyPr/>
           <a:lstStyle/>
           <a:p>
+            <a:r>
+              <a:rPr lang="en-US"/>
+              <a:t>Visit Murat Karakaya Akademi YouTube Channel for the tutorial video</a:t>
+            </a:r>
             <a:endParaRPr/>
           </a:p>
         </p:txBody>
@@ -3806,9 +3845,9 @@
           <a:bodyPr/>
           <a:lstStyle/>
           <a:p>
-            <a:fld id="{402B9795-92DC-40DC-A1CA-9A4B349D7824}" type="datetimeFigureOut">
-              <a:rPr lang="en-US"/>
-              <a:t>08-Jan-24</a:t>
+            <a:fld id="{51BAAE05-4DA7-438A-B222-AB4BD0A5498C}" type="datetime1">
+              <a:rPr lang="en-US" smtClean="0"/>
+              <a:t>11-Jan-24</a:t>
             </a:fld>
             <a:endParaRPr/>
           </a:p>
@@ -3829,6 +3868,10 @@
           <a:bodyPr/>
           <a:lstStyle/>
           <a:p>
+            <a:r>
+              <a:rPr lang="en-US"/>
+              <a:t>Visit Murat Karakaya Akademi YouTube Channel for the tutorial video</a:t>
+            </a:r>
             <a:endParaRPr/>
           </a:p>
         </p:txBody>
@@ -3913,9 +3956,9 @@
           <a:bodyPr/>
           <a:lstStyle/>
           <a:p>
-            <a:fld id="{402B9795-92DC-40DC-A1CA-9A4B349D7824}" type="datetimeFigureOut">
-              <a:rPr lang="en-US"/>
-              <a:t>08-Jan-24</a:t>
+            <a:fld id="{D24A7831-A186-4EF0-BAF7-E8B19FC551E3}" type="datetime1">
+              <a:rPr lang="en-US" smtClean="0"/>
+              <a:t>11-Jan-24</a:t>
             </a:fld>
             <a:endParaRPr/>
           </a:p>
@@ -3936,6 +3979,10 @@
           <a:bodyPr/>
           <a:lstStyle/>
           <a:p>
+            <a:r>
+              <a:rPr lang="en-US"/>
+              <a:t>Visit Murat Karakaya Akademi YouTube Channel for the tutorial video</a:t>
+            </a:r>
             <a:endParaRPr/>
           </a:p>
         </p:txBody>
@@ -4204,9 +4251,9 @@
           <a:bodyPr/>
           <a:lstStyle/>
           <a:p>
-            <a:fld id="{402B9795-92DC-40DC-A1CA-9A4B349D7824}" type="datetimeFigureOut">
-              <a:rPr lang="en-US"/>
-              <a:t>08-Jan-24</a:t>
+            <a:fld id="{CE7B2D9E-F206-4551-AB6C-6E4D8CEEC23F}" type="datetime1">
+              <a:rPr lang="en-US" smtClean="0"/>
+              <a:t>11-Jan-24</a:t>
             </a:fld>
             <a:endParaRPr/>
           </a:p>
@@ -4227,6 +4274,10 @@
           <a:bodyPr/>
           <a:lstStyle/>
           <a:p>
+            <a:r>
+              <a:rPr lang="en-US"/>
+              <a:t>Visit Murat Karakaya Akademi YouTube Channel for the tutorial video</a:t>
+            </a:r>
             <a:endParaRPr/>
           </a:p>
         </p:txBody>
@@ -4429,10 +4480,9 @@
             </a:lvl1pPr>
           </a:lstStyle>
           <a:p>
-            <a:fld id="{402B9795-92DC-40DC-A1CA-9A4B349D7824}" type="datetimeFigureOut">
+            <a:fld id="{FB729B73-99D4-42BF-B6F1-8C8F3555B847}" type="datetime1">
               <a:rPr lang="en-US" smtClean="0"/>
-              <a:pPr/>
-              <a:t>08-Jan-24</a:t>
+              <a:t>11-Jan-24</a:t>
             </a:fld>
             <a:endParaRPr lang="en-US"/>
           </a:p>
@@ -4471,7 +4521,10 @@
             </a:lvl1pPr>
           </a:lstStyle>
           <a:p>
-            <a:endParaRPr lang="en-US"/>
+            <a:r>
+              <a:rPr lang="en-US"/>
+              <a:t>Visit Murat Karakaya Akademi YouTube Channel for the tutorial video</a:t>
+            </a:r>
           </a:p>
         </p:txBody>
       </p:sp>
@@ -4638,6 +4691,7 @@
       </p:transition>
     </mc:Fallback>
   </mc:AlternateContent>
+  <p:hf sldNum="0" hdr="0" dt="0"/>
   <p:txStyles>
     <p:titleStyle>
       <a:lvl1pPr algn="l" defTabSz="914400" rtl="0" eaLnBrk="1" latinLnBrk="0" hangingPunct="1">
@@ -4986,6 +5040,7 @@
           </a:bodyPr>
           <a:lstStyle/>
           <a:p>
+            <a:pPr algn="ctr"/>
             <a:r>
               <a:rPr lang="en-US" sz="3700" b="1" i="0" dirty="0">
                 <a:effectLst/>
@@ -5037,13 +5092,13 @@
         </p:nvSpPr>
         <p:spPr>
           <a:xfrm>
-            <a:off x="1104900" y="4511784"/>
+            <a:off x="1633407" y="4604063"/>
             <a:ext cx="5734050" cy="955565"/>
           </a:xfrm>
         </p:spPr>
         <p:txBody>
           <a:bodyPr>
-            <a:normAutofit/>
+            <a:normAutofit fontScale="92500" lnSpcReduction="10000"/>
           </a:bodyPr>
           <a:lstStyle/>
           <a:p>
@@ -5053,8 +5108,11 @@
               </a:spcAft>
             </a:pPr>
             <a:r>
-              <a:rPr lang="en-US" sz="1700" b="1" dirty="0"/>
-              <a:t>Demo</a:t>
+              <a:rPr lang="en-US" sz="2000" b="1" dirty="0">
+                <a:latin typeface="Aharoni" panose="02010803020104030203" pitchFamily="2" charset="-79"/>
+                <a:cs typeface="Aharoni" panose="02010803020104030203" pitchFamily="2" charset="-79"/>
+              </a:rPr>
+              <a:t>Visit </a:t>
             </a:r>
           </a:p>
           <a:p>
@@ -5064,9 +5122,49 @@
               </a:spcAft>
             </a:pPr>
             <a:r>
-              <a:rPr lang="en-US" sz="1700" b="1" dirty="0"/>
-              <a:t>Run Mixtral-8x7B Model on </a:t>
-            </a:r>
+              <a:rPr lang="en-US" sz="2000" b="1" dirty="0">
+                <a:latin typeface="Aharoni" panose="02010803020104030203" pitchFamily="2" charset="-79"/>
+                <a:cs typeface="Aharoni" panose="02010803020104030203" pitchFamily="2" charset="-79"/>
+                <a:hlinkClick r:id="rId3"/>
+              </a:rPr>
+              <a:t>Murat </a:t>
+            </a:r>
+            <a:r>
+              <a:rPr lang="en-US" sz="2000" b="1" dirty="0" err="1">
+                <a:latin typeface="Aharoni" panose="02010803020104030203" pitchFamily="2" charset="-79"/>
+                <a:cs typeface="Aharoni" panose="02010803020104030203" pitchFamily="2" charset="-79"/>
+                <a:hlinkClick r:id="rId3"/>
+              </a:rPr>
+              <a:t>Karakaya</a:t>
+            </a:r>
+            <a:r>
+              <a:rPr lang="en-US" sz="2000" b="1" dirty="0">
+                <a:latin typeface="Aharoni" panose="02010803020104030203" pitchFamily="2" charset="-79"/>
+                <a:cs typeface="Aharoni" panose="02010803020104030203" pitchFamily="2" charset="-79"/>
+                <a:hlinkClick r:id="rId3"/>
+              </a:rPr>
+              <a:t> </a:t>
+            </a:r>
+            <a:r>
+              <a:rPr lang="en-US" sz="2000" b="1" dirty="0" err="1">
+                <a:latin typeface="Aharoni" panose="02010803020104030203" pitchFamily="2" charset="-79"/>
+                <a:cs typeface="Aharoni" panose="02010803020104030203" pitchFamily="2" charset="-79"/>
+                <a:hlinkClick r:id="rId3"/>
+              </a:rPr>
+              <a:t>Akademi</a:t>
+            </a:r>
+            <a:r>
+              <a:rPr lang="en-US" sz="2000" b="1" dirty="0">
+                <a:latin typeface="Aharoni" panose="02010803020104030203" pitchFamily="2" charset="-79"/>
+                <a:cs typeface="Aharoni" panose="02010803020104030203" pitchFamily="2" charset="-79"/>
+                <a:hlinkClick r:id="rId3"/>
+              </a:rPr>
+              <a:t> YouTube Channel </a:t>
+            </a:r>
+            <a:endParaRPr lang="en-US" sz="2000" b="1" dirty="0">
+              <a:latin typeface="Aharoni" panose="02010803020104030203" pitchFamily="2" charset="-79"/>
+              <a:cs typeface="Aharoni" panose="02010803020104030203" pitchFamily="2" charset="-79"/>
+            </a:endParaRPr>
           </a:p>
           <a:p>
             <a:pPr>
@@ -5075,16 +5173,11 @@
               </a:spcAft>
             </a:pPr>
             <a:r>
-              <a:rPr lang="en-US" sz="1700" b="1" dirty="0"/>
-              <a:t>Google </a:t>
-            </a:r>
-            <a:r>
-              <a:rPr lang="en-US" sz="1700" b="1" dirty="0" err="1"/>
-              <a:t>Colab’s</a:t>
-            </a:r>
-            <a:r>
-              <a:rPr lang="en-US" sz="1700" b="1" dirty="0"/>
-              <a:t> Free Version</a:t>
+              <a:rPr lang="en-US" sz="2000" b="1" dirty="0">
+                <a:latin typeface="Aharoni" panose="02010803020104030203" pitchFamily="2" charset="-79"/>
+                <a:cs typeface="Aharoni" panose="02010803020104030203" pitchFamily="2" charset="-79"/>
+              </a:rPr>
+              <a:t>for the tutorial video</a:t>
             </a:r>
           </a:p>
         </p:txBody>
@@ -5104,7 +5197,7 @@
           <p:nvPr/>
         </p:nvPicPr>
         <p:blipFill>
-          <a:blip r:embed="rId3">
+          <a:blip r:embed="rId4">
             <a:extLst>
               <a:ext uri="{28A0092B-C50C-407E-A947-70E740481C1C}">
                 <a14:useLocalDpi xmlns:a14="http://schemas.microsoft.com/office/drawing/2010/main" val="0"/>
@@ -5384,13 +5477,13 @@
   <p:clrMapOvr>
     <a:masterClrMapping/>
   </p:clrMapOvr>
-  <mc:AlternateContent xmlns:mc="http://schemas.openxmlformats.org/markup-compatibility/2006">
-    <mc:Choice xmlns:p14="http://schemas.microsoft.com/office/powerpoint/2010/main" Requires="p14">
+  <mc:AlternateContent xmlns:mc="http://schemas.openxmlformats.org/markup-compatibility/2006" xmlns:p14="http://schemas.microsoft.com/office/powerpoint/2010/main">
+    <mc:Choice Requires="p14">
       <p:transition spd="med" p14:dur="700">
         <p:fade/>
       </p:transition>
     </mc:Choice>
-    <mc:Fallback>
+    <mc:Fallback xmlns="">
       <p:transition spd="med">
         <p:fade/>
       </p:transition>
@@ -5657,6 +5750,34 @@
               <a:t> gains.</a:t>
             </a:r>
             <a:endParaRPr lang="en-US" dirty="0"/>
+          </a:p>
+        </p:txBody>
+      </p:sp>
+      <p:sp>
+        <p:nvSpPr>
+          <p:cNvPr id="2" name="Footer Placeholder 1">
+            <a:extLst>
+              <a:ext uri="{FF2B5EF4-FFF2-40B4-BE49-F238E27FC236}">
+                <a16:creationId xmlns:a16="http://schemas.microsoft.com/office/drawing/2014/main" id="{D403D702-0280-F2DC-C295-8850EED77DBE}"/>
+              </a:ext>
+            </a:extLst>
+          </p:cNvPr>
+          <p:cNvSpPr>
+            <a:spLocks noGrp="1"/>
+          </p:cNvSpPr>
+          <p:nvPr>
+            <p:ph type="ftr" sz="quarter" idx="11"/>
+          </p:nvPr>
+        </p:nvSpPr>
+        <p:spPr/>
+        <p:txBody>
+          <a:bodyPr/>
+          <a:lstStyle/>
+          <a:p>
+            <a:r>
+              <a:rPr lang="en-US"/>
+              <a:t>Visit Murat Karakaya Akademi YouTube Channel for the tutorial video</a:t>
+            </a:r>
           </a:p>
         </p:txBody>
       </p:sp>
@@ -5812,6 +5933,34 @@
           </a:p>
         </p:txBody>
       </p:sp>
+      <p:sp>
+        <p:nvSpPr>
+          <p:cNvPr id="2" name="Footer Placeholder 1">
+            <a:extLst>
+              <a:ext uri="{FF2B5EF4-FFF2-40B4-BE49-F238E27FC236}">
+                <a16:creationId xmlns:a16="http://schemas.microsoft.com/office/drawing/2014/main" id="{A7541DBD-454D-0BE7-A5FA-41DC020975B8}"/>
+              </a:ext>
+            </a:extLst>
+          </p:cNvPr>
+          <p:cNvSpPr>
+            <a:spLocks noGrp="1"/>
+          </p:cNvSpPr>
+          <p:nvPr>
+            <p:ph type="ftr" sz="quarter" idx="11"/>
+          </p:nvPr>
+        </p:nvSpPr>
+        <p:spPr/>
+        <p:txBody>
+          <a:bodyPr/>
+          <a:lstStyle/>
+          <a:p>
+            <a:r>
+              <a:rPr lang="en-US"/>
+              <a:t>Visit Murat Karakaya Akademi YouTube Channel for the tutorial video</a:t>
+            </a:r>
+          </a:p>
+        </p:txBody>
+      </p:sp>
     </p:spTree>
     <p:extLst>
       <p:ext uri="{BB962C8B-B14F-4D97-AF65-F5344CB8AC3E}">
@@ -6060,6 +6209,34 @@
                 <a:latin typeface="Google Sans"/>
               </a:rPr>
               <a:t>Crucial for preserving model accuracy.</a:t>
+            </a:r>
+          </a:p>
+        </p:txBody>
+      </p:sp>
+      <p:sp>
+        <p:nvSpPr>
+          <p:cNvPr id="2" name="Footer Placeholder 1">
+            <a:extLst>
+              <a:ext uri="{FF2B5EF4-FFF2-40B4-BE49-F238E27FC236}">
+                <a16:creationId xmlns:a16="http://schemas.microsoft.com/office/drawing/2014/main" id="{D8F47D49-DE7C-FBCF-F47D-9A7C89026DB5}"/>
+              </a:ext>
+            </a:extLst>
+          </p:cNvPr>
+          <p:cNvSpPr>
+            <a:spLocks noGrp="1"/>
+          </p:cNvSpPr>
+          <p:nvPr>
+            <p:ph type="ftr" sz="quarter" idx="11"/>
+          </p:nvPr>
+        </p:nvSpPr>
+        <p:spPr/>
+        <p:txBody>
+          <a:bodyPr/>
+          <a:lstStyle/>
+          <a:p>
+            <a:r>
+              <a:rPr lang="en-US"/>
+              <a:t>Visit Murat Karakaya Akademi YouTube Channel for the tutorial video</a:t>
             </a:r>
           </a:p>
         </p:txBody>
@@ -6358,6 +6535,34 @@
           </a:p>
         </p:txBody>
       </p:sp>
+      <p:sp>
+        <p:nvSpPr>
+          <p:cNvPr id="2" name="Footer Placeholder 1">
+            <a:extLst>
+              <a:ext uri="{FF2B5EF4-FFF2-40B4-BE49-F238E27FC236}">
+                <a16:creationId xmlns:a16="http://schemas.microsoft.com/office/drawing/2014/main" id="{7E49AAB4-1606-6183-A06C-6E1E0296CE64}"/>
+              </a:ext>
+            </a:extLst>
+          </p:cNvPr>
+          <p:cNvSpPr>
+            <a:spLocks noGrp="1"/>
+          </p:cNvSpPr>
+          <p:nvPr>
+            <p:ph type="ftr" sz="quarter" idx="11"/>
+          </p:nvPr>
+        </p:nvSpPr>
+        <p:spPr/>
+        <p:txBody>
+          <a:bodyPr/>
+          <a:lstStyle/>
+          <a:p>
+            <a:r>
+              <a:rPr lang="en-US"/>
+              <a:t>Visit Murat Karakaya Akademi YouTube Channel for the tutorial video</a:t>
+            </a:r>
+          </a:p>
+        </p:txBody>
+      </p:sp>
     </p:spTree>
     <p:extLst>
       <p:ext uri="{BB962C8B-B14F-4D97-AF65-F5344CB8AC3E}">
@@ -6750,6 +6955,34 @@
           </a:p>
           <a:p>
             <a:endParaRPr lang="en-US" sz="2400" dirty="0"/>
+          </a:p>
+        </p:txBody>
+      </p:sp>
+      <p:sp>
+        <p:nvSpPr>
+          <p:cNvPr id="2" name="Footer Placeholder 1">
+            <a:extLst>
+              <a:ext uri="{FF2B5EF4-FFF2-40B4-BE49-F238E27FC236}">
+                <a16:creationId xmlns:a16="http://schemas.microsoft.com/office/drawing/2014/main" id="{93644898-7D2A-3FF2-3426-A65C6485B985}"/>
+              </a:ext>
+            </a:extLst>
+          </p:cNvPr>
+          <p:cNvSpPr>
+            <a:spLocks noGrp="1"/>
+          </p:cNvSpPr>
+          <p:nvPr>
+            <p:ph type="ftr" sz="quarter" idx="11"/>
+          </p:nvPr>
+        </p:nvSpPr>
+        <p:spPr/>
+        <p:txBody>
+          <a:bodyPr/>
+          <a:lstStyle/>
+          <a:p>
+            <a:r>
+              <a:rPr lang="en-US"/>
+              <a:t>Visit Murat Karakaya Akademi YouTube Channel for the tutorial video</a:t>
+            </a:r>
           </a:p>
         </p:txBody>
       </p:sp>
@@ -7124,6 +7357,34 @@
           </a:p>
         </p:txBody>
       </p:sp>
+      <p:sp>
+        <p:nvSpPr>
+          <p:cNvPr id="2" name="Footer Placeholder 1">
+            <a:extLst>
+              <a:ext uri="{FF2B5EF4-FFF2-40B4-BE49-F238E27FC236}">
+                <a16:creationId xmlns:a16="http://schemas.microsoft.com/office/drawing/2014/main" id="{96508410-FC62-D09C-8BD3-F16C86FDE163}"/>
+              </a:ext>
+            </a:extLst>
+          </p:cNvPr>
+          <p:cNvSpPr>
+            <a:spLocks noGrp="1"/>
+          </p:cNvSpPr>
+          <p:nvPr>
+            <p:ph type="ftr" sz="quarter" idx="11"/>
+          </p:nvPr>
+        </p:nvSpPr>
+        <p:spPr/>
+        <p:txBody>
+          <a:bodyPr/>
+          <a:lstStyle/>
+          <a:p>
+            <a:r>
+              <a:rPr lang="en-US"/>
+              <a:t>Visit Murat Karakaya Akademi YouTube Channel for the tutorial video</a:t>
+            </a:r>
+          </a:p>
+        </p:txBody>
+      </p:sp>
     </p:spTree>
     <p:extLst>
       <p:ext uri="{BB962C8B-B14F-4D97-AF65-F5344CB8AC3E}">
@@ -7378,6 +7639,34 @@
                 <a:latin typeface="Google Sans"/>
               </a:rPr>
               <a:t> [0.56789, -0.90123, 0.23456]]</a:t>
+            </a:r>
+          </a:p>
+        </p:txBody>
+      </p:sp>
+      <p:sp>
+        <p:nvSpPr>
+          <p:cNvPr id="2" name="Footer Placeholder 1">
+            <a:extLst>
+              <a:ext uri="{FF2B5EF4-FFF2-40B4-BE49-F238E27FC236}">
+                <a16:creationId xmlns:a16="http://schemas.microsoft.com/office/drawing/2014/main" id="{716293E3-DA3C-7A8E-F59A-C20A2F065211}"/>
+              </a:ext>
+            </a:extLst>
+          </p:cNvPr>
+          <p:cNvSpPr>
+            <a:spLocks noGrp="1"/>
+          </p:cNvSpPr>
+          <p:nvPr>
+            <p:ph type="ftr" sz="quarter" idx="11"/>
+          </p:nvPr>
+        </p:nvSpPr>
+        <p:spPr/>
+        <p:txBody>
+          <a:bodyPr/>
+          <a:lstStyle/>
+          <a:p>
+            <a:r>
+              <a:rPr lang="en-US"/>
+              <a:t>Visit Murat Karakaya Akademi YouTube Channel for the tutorial video</a:t>
             </a:r>
           </a:p>
         </p:txBody>
@@ -7660,6 +7949,34 @@
               <a:effectLst/>
               <a:latin typeface="Google Sans"/>
             </a:endParaRPr>
+          </a:p>
+        </p:txBody>
+      </p:sp>
+      <p:sp>
+        <p:nvSpPr>
+          <p:cNvPr id="2" name="Footer Placeholder 1">
+            <a:extLst>
+              <a:ext uri="{FF2B5EF4-FFF2-40B4-BE49-F238E27FC236}">
+                <a16:creationId xmlns:a16="http://schemas.microsoft.com/office/drawing/2014/main" id="{EEB9AC72-5F1C-289F-731A-E29EA90559FB}"/>
+              </a:ext>
+            </a:extLst>
+          </p:cNvPr>
+          <p:cNvSpPr>
+            <a:spLocks noGrp="1"/>
+          </p:cNvSpPr>
+          <p:nvPr>
+            <p:ph type="ftr" sz="quarter" idx="11"/>
+          </p:nvPr>
+        </p:nvSpPr>
+        <p:spPr/>
+        <p:txBody>
+          <a:bodyPr/>
+          <a:lstStyle/>
+          <a:p>
+            <a:r>
+              <a:rPr lang="en-US"/>
+              <a:t>Visit Murat Karakaya Akademi YouTube Channel for the tutorial video</a:t>
+            </a:r>
           </a:p>
         </p:txBody>
       </p:sp>
@@ -7947,6 +8264,34 @@
           </a:p>
         </p:txBody>
       </p:sp>
+      <p:sp>
+        <p:nvSpPr>
+          <p:cNvPr id="2" name="Footer Placeholder 1">
+            <a:extLst>
+              <a:ext uri="{FF2B5EF4-FFF2-40B4-BE49-F238E27FC236}">
+                <a16:creationId xmlns:a16="http://schemas.microsoft.com/office/drawing/2014/main" id="{EB25EC92-C9D4-7492-3176-F7A9F862E0F7}"/>
+              </a:ext>
+            </a:extLst>
+          </p:cNvPr>
+          <p:cNvSpPr>
+            <a:spLocks noGrp="1"/>
+          </p:cNvSpPr>
+          <p:nvPr>
+            <p:ph type="ftr" sz="quarter" idx="11"/>
+          </p:nvPr>
+        </p:nvSpPr>
+        <p:spPr/>
+        <p:txBody>
+          <a:bodyPr/>
+          <a:lstStyle/>
+          <a:p>
+            <a:r>
+              <a:rPr lang="en-US"/>
+              <a:t>Visit Murat Karakaya Akademi YouTube Channel for the tutorial video</a:t>
+            </a:r>
+          </a:p>
+        </p:txBody>
+      </p:sp>
     </p:spTree>
     <p:extLst>
       <p:ext uri="{BB962C8B-B14F-4D97-AF65-F5344CB8AC3E}">
@@ -8165,6 +8510,34 @@
           </a:extLst>
         </p:spPr>
       </p:pic>
+      <p:sp>
+        <p:nvSpPr>
+          <p:cNvPr id="2" name="Footer Placeholder 1">
+            <a:extLst>
+              <a:ext uri="{FF2B5EF4-FFF2-40B4-BE49-F238E27FC236}">
+                <a16:creationId xmlns:a16="http://schemas.microsoft.com/office/drawing/2014/main" id="{55C964C9-2F6E-D5C8-1E08-47A98E184524}"/>
+              </a:ext>
+            </a:extLst>
+          </p:cNvPr>
+          <p:cNvSpPr>
+            <a:spLocks noGrp="1"/>
+          </p:cNvSpPr>
+          <p:nvPr>
+            <p:ph type="ftr" sz="quarter" idx="11"/>
+          </p:nvPr>
+        </p:nvSpPr>
+        <p:spPr/>
+        <p:txBody>
+          <a:bodyPr/>
+          <a:lstStyle/>
+          <a:p>
+            <a:r>
+              <a:rPr lang="en-US"/>
+              <a:t>Visit Murat Karakaya Akademi YouTube Channel for the tutorial video</a:t>
+            </a:r>
+          </a:p>
+        </p:txBody>
+      </p:sp>
     </p:spTree>
     <p:extLst>
       <p:ext uri="{BB962C8B-B14F-4D97-AF65-F5344CB8AC3E}">
@@ -8501,6 +8874,34 @@
           </a:p>
         </p:txBody>
       </p:sp>
+      <p:sp>
+        <p:nvSpPr>
+          <p:cNvPr id="3" name="Footer Placeholder 2">
+            <a:extLst>
+              <a:ext uri="{FF2B5EF4-FFF2-40B4-BE49-F238E27FC236}">
+                <a16:creationId xmlns:a16="http://schemas.microsoft.com/office/drawing/2014/main" id="{2E2196CC-5DF2-8D66-EBE9-85CB32951810}"/>
+              </a:ext>
+            </a:extLst>
+          </p:cNvPr>
+          <p:cNvSpPr>
+            <a:spLocks noGrp="1"/>
+          </p:cNvSpPr>
+          <p:nvPr>
+            <p:ph type="ftr" sz="quarter" idx="11"/>
+          </p:nvPr>
+        </p:nvSpPr>
+        <p:spPr/>
+        <p:txBody>
+          <a:bodyPr/>
+          <a:lstStyle/>
+          <a:p>
+            <a:r>
+              <a:rPr lang="en-US"/>
+              <a:t>Visit Murat Karakaya Akademi YouTube Channel for the tutorial video</a:t>
+            </a:r>
+          </a:p>
+        </p:txBody>
+      </p:sp>
     </p:spTree>
     <p:extLst>
       <p:ext uri="{BB962C8B-B14F-4D97-AF65-F5344CB8AC3E}">
@@ -8511,13 +8912,13 @@
   <p:clrMapOvr>
     <a:masterClrMapping/>
   </p:clrMapOvr>
-  <mc:AlternateContent xmlns:mc="http://schemas.openxmlformats.org/markup-compatibility/2006">
-    <mc:Choice xmlns:p14="http://schemas.microsoft.com/office/powerpoint/2010/main" Requires="p14">
+  <mc:AlternateContent xmlns:mc="http://schemas.openxmlformats.org/markup-compatibility/2006" xmlns:p14="http://schemas.microsoft.com/office/powerpoint/2010/main">
+    <mc:Choice Requires="p14">
       <p:transition spd="med" p14:dur="700">
         <p:fade/>
       </p:transition>
     </mc:Choice>
-    <mc:Fallback>
+    <mc:Fallback xmlns="">
       <p:transition spd="med">
         <p:fade/>
       </p:transition>
@@ -8806,6 +9207,34 @@
           </a:p>
         </p:txBody>
       </p:sp>
+      <p:sp>
+        <p:nvSpPr>
+          <p:cNvPr id="2" name="Footer Placeholder 1">
+            <a:extLst>
+              <a:ext uri="{FF2B5EF4-FFF2-40B4-BE49-F238E27FC236}">
+                <a16:creationId xmlns:a16="http://schemas.microsoft.com/office/drawing/2014/main" id="{A6360522-BA6B-654D-5FB5-0F4DF1A05B5D}"/>
+              </a:ext>
+            </a:extLst>
+          </p:cNvPr>
+          <p:cNvSpPr>
+            <a:spLocks noGrp="1"/>
+          </p:cNvSpPr>
+          <p:nvPr>
+            <p:ph type="ftr" sz="quarter" idx="11"/>
+          </p:nvPr>
+        </p:nvSpPr>
+        <p:spPr/>
+        <p:txBody>
+          <a:bodyPr/>
+          <a:lstStyle/>
+          <a:p>
+            <a:r>
+              <a:rPr lang="en-US"/>
+              <a:t>Visit Murat Karakaya Akademi YouTube Channel for the tutorial video</a:t>
+            </a:r>
+          </a:p>
+        </p:txBody>
+      </p:sp>
     </p:spTree>
     <p:extLst>
       <p:ext uri="{BB962C8B-B14F-4D97-AF65-F5344CB8AC3E}">
@@ -8816,13 +9245,13 @@
   <p:clrMapOvr>
     <a:masterClrMapping/>
   </p:clrMapOvr>
-  <mc:AlternateContent xmlns:mc="http://schemas.openxmlformats.org/markup-compatibility/2006">
-    <mc:Choice xmlns:p14="http://schemas.microsoft.com/office/powerpoint/2010/main" Requires="p14">
+  <mc:AlternateContent xmlns:mc="http://schemas.openxmlformats.org/markup-compatibility/2006" xmlns:p14="http://schemas.microsoft.com/office/powerpoint/2010/main">
+    <mc:Choice Requires="p14">
       <p:transition spd="med" p14:dur="700">
         <p:fade/>
       </p:transition>
     </mc:Choice>
-    <mc:Fallback>
+    <mc:Fallback xmlns="">
       <p:transition spd="med">
         <p:fade/>
       </p:transition>
@@ -9191,6 +9620,34 @@
           </a:p>
         </p:txBody>
       </p:sp>
+      <p:sp>
+        <p:nvSpPr>
+          <p:cNvPr id="2" name="Footer Placeholder 1">
+            <a:extLst>
+              <a:ext uri="{FF2B5EF4-FFF2-40B4-BE49-F238E27FC236}">
+                <a16:creationId xmlns:a16="http://schemas.microsoft.com/office/drawing/2014/main" id="{79B0AB7E-84D0-6449-57A8-11B50EE6B49E}"/>
+              </a:ext>
+            </a:extLst>
+          </p:cNvPr>
+          <p:cNvSpPr>
+            <a:spLocks noGrp="1"/>
+          </p:cNvSpPr>
+          <p:nvPr>
+            <p:ph type="ftr" sz="quarter" idx="11"/>
+          </p:nvPr>
+        </p:nvSpPr>
+        <p:spPr/>
+        <p:txBody>
+          <a:bodyPr/>
+          <a:lstStyle/>
+          <a:p>
+            <a:r>
+              <a:rPr lang="en-US"/>
+              <a:t>Visit Murat Karakaya Akademi YouTube Channel for the tutorial video</a:t>
+            </a:r>
+          </a:p>
+        </p:txBody>
+      </p:sp>
     </p:spTree>
     <p:extLst>
       <p:ext uri="{BB962C8B-B14F-4D97-AF65-F5344CB8AC3E}">
@@ -9201,13 +9658,13 @@
   <p:clrMapOvr>
     <a:masterClrMapping/>
   </p:clrMapOvr>
-  <mc:AlternateContent xmlns:mc="http://schemas.openxmlformats.org/markup-compatibility/2006">
-    <mc:Choice xmlns:p14="http://schemas.microsoft.com/office/powerpoint/2010/main" Requires="p14">
+  <mc:AlternateContent xmlns:mc="http://schemas.openxmlformats.org/markup-compatibility/2006" xmlns:p14="http://schemas.microsoft.com/office/powerpoint/2010/main">
+    <mc:Choice Requires="p14">
       <p:transition spd="med" p14:dur="700">
         <p:fade/>
       </p:transition>
     </mc:Choice>
-    <mc:Fallback>
+    <mc:Fallback xmlns="">
       <p:transition spd="med">
         <p:fade/>
       </p:transition>
@@ -9418,6 +9875,34 @@
                 <a:latin typeface="Google Sans"/>
               </a:rPr>
               <a:t> Reduced computational demands, making LLMs more energy-efficient.</a:t>
+            </a:r>
+          </a:p>
+        </p:txBody>
+      </p:sp>
+      <p:sp>
+        <p:nvSpPr>
+          <p:cNvPr id="2" name="Footer Placeholder 1">
+            <a:extLst>
+              <a:ext uri="{FF2B5EF4-FFF2-40B4-BE49-F238E27FC236}">
+                <a16:creationId xmlns:a16="http://schemas.microsoft.com/office/drawing/2014/main" id="{E7DE6C84-8C3B-8985-3034-BAC22BBFF5C2}"/>
+              </a:ext>
+            </a:extLst>
+          </p:cNvPr>
+          <p:cNvSpPr>
+            <a:spLocks noGrp="1"/>
+          </p:cNvSpPr>
+          <p:nvPr>
+            <p:ph type="ftr" sz="quarter" idx="11"/>
+          </p:nvPr>
+        </p:nvSpPr>
+        <p:spPr/>
+        <p:txBody>
+          <a:bodyPr/>
+          <a:lstStyle/>
+          <a:p>
+            <a:r>
+              <a:rPr lang="en-US"/>
+              <a:t>Visit Murat Karakaya Akademi YouTube Channel for the tutorial video</a:t>
             </a:r>
           </a:p>
         </p:txBody>
@@ -9627,6 +10112,34 @@
                 <a:latin typeface="Google Sans"/>
               </a:rPr>
               <a:t> Ensure hardware supports efficient low-precision operations for optimal benefits.</a:t>
+            </a:r>
+          </a:p>
+        </p:txBody>
+      </p:sp>
+      <p:sp>
+        <p:nvSpPr>
+          <p:cNvPr id="2" name="Footer Placeholder 1">
+            <a:extLst>
+              <a:ext uri="{FF2B5EF4-FFF2-40B4-BE49-F238E27FC236}">
+                <a16:creationId xmlns:a16="http://schemas.microsoft.com/office/drawing/2014/main" id="{B6118EEC-EDDC-FF25-53FF-A93DEFA1B971}"/>
+              </a:ext>
+            </a:extLst>
+          </p:cNvPr>
+          <p:cNvSpPr>
+            <a:spLocks noGrp="1"/>
+          </p:cNvSpPr>
+          <p:nvPr>
+            <p:ph type="ftr" sz="quarter" idx="11"/>
+          </p:nvPr>
+        </p:nvSpPr>
+        <p:spPr/>
+        <p:txBody>
+          <a:bodyPr/>
+          <a:lstStyle/>
+          <a:p>
+            <a:r>
+              <a:rPr lang="en-US"/>
+              <a:t>Visit Murat Karakaya Akademi YouTube Channel for the tutorial video</a:t>
             </a:r>
           </a:p>
         </p:txBody>
@@ -10058,6 +10571,34 @@
               <a:effectLst/>
               <a:latin typeface="Google Sans"/>
             </a:endParaRPr>
+          </a:p>
+        </p:txBody>
+      </p:sp>
+      <p:sp>
+        <p:nvSpPr>
+          <p:cNvPr id="2" name="Footer Placeholder 1">
+            <a:extLst>
+              <a:ext uri="{FF2B5EF4-FFF2-40B4-BE49-F238E27FC236}">
+                <a16:creationId xmlns:a16="http://schemas.microsoft.com/office/drawing/2014/main" id="{67C3FA7B-166E-0B49-8DAE-F95003F4EE05}"/>
+              </a:ext>
+            </a:extLst>
+          </p:cNvPr>
+          <p:cNvSpPr>
+            <a:spLocks noGrp="1"/>
+          </p:cNvSpPr>
+          <p:nvPr>
+            <p:ph type="ftr" sz="quarter" idx="11"/>
+          </p:nvPr>
+        </p:nvSpPr>
+        <p:spPr/>
+        <p:txBody>
+          <a:bodyPr/>
+          <a:lstStyle/>
+          <a:p>
+            <a:r>
+              <a:rPr lang="en-US"/>
+              <a:t>Visit Murat Karakaya Akademi YouTube Channel for the tutorial video</a:t>
+            </a:r>
           </a:p>
         </p:txBody>
       </p:sp>
@@ -12505,6 +13046,34 @@
           </a:prstGeom>
         </p:spPr>
       </p:pic>
+      <p:sp>
+        <p:nvSpPr>
+          <p:cNvPr id="2" name="Footer Placeholder 1">
+            <a:extLst>
+              <a:ext uri="{FF2B5EF4-FFF2-40B4-BE49-F238E27FC236}">
+                <a16:creationId xmlns:a16="http://schemas.microsoft.com/office/drawing/2014/main" id="{8251D646-788E-3A1C-3083-6693FBC9A2D2}"/>
+              </a:ext>
+            </a:extLst>
+          </p:cNvPr>
+          <p:cNvSpPr>
+            <a:spLocks noGrp="1"/>
+          </p:cNvSpPr>
+          <p:nvPr>
+            <p:ph type="ftr" sz="quarter" idx="11"/>
+          </p:nvPr>
+        </p:nvSpPr>
+        <p:spPr/>
+        <p:txBody>
+          <a:bodyPr/>
+          <a:lstStyle/>
+          <a:p>
+            <a:r>
+              <a:rPr lang="en-US"/>
+              <a:t>Visit Murat Karakaya Akademi YouTube Channel for the tutorial video</a:t>
+            </a:r>
+          </a:p>
+        </p:txBody>
+      </p:sp>
     </p:spTree>
     <p:extLst>
       <p:ext uri="{BB962C8B-B14F-4D97-AF65-F5344CB8AC3E}">
@@ -12515,13 +13084,13 @@
   <p:clrMapOvr>
     <a:masterClrMapping/>
   </p:clrMapOvr>
-  <mc:AlternateContent xmlns:mc="http://schemas.openxmlformats.org/markup-compatibility/2006">
-    <mc:Choice xmlns:p14="http://schemas.microsoft.com/office/powerpoint/2010/main" Requires="p14">
+  <mc:AlternateContent xmlns:mc="http://schemas.openxmlformats.org/markup-compatibility/2006" xmlns:p14="http://schemas.microsoft.com/office/powerpoint/2010/main">
+    <mc:Choice Requires="p14">
       <p:transition spd="med" p14:dur="700">
         <p:fade/>
       </p:transition>
     </mc:Choice>
-    <mc:Fallback>
+    <mc:Fallback xmlns="">
       <p:transition spd="med">
         <p:fade/>
       </p:transition>
@@ -12802,13 +13371,13 @@
   <p:clrMapOvr>
     <a:masterClrMapping/>
   </p:clrMapOvr>
-  <mc:AlternateContent xmlns:mc="http://schemas.openxmlformats.org/markup-compatibility/2006">
-    <mc:Choice xmlns:p14="http://schemas.microsoft.com/office/powerpoint/2010/main" Requires="p14">
+  <mc:AlternateContent xmlns:mc="http://schemas.openxmlformats.org/markup-compatibility/2006" xmlns:p14="http://schemas.microsoft.com/office/powerpoint/2010/main">
+    <mc:Choice Requires="p14">
       <p:transition spd="med" p14:dur="700">
         <p:fade/>
       </p:transition>
     </mc:Choice>
-    <mc:Fallback>
+    <mc:Fallback xmlns="">
       <p:transition spd="med">
         <p:fade/>
       </p:transition>
@@ -13008,13 +13577,13 @@
   <p:clrMapOvr>
     <a:masterClrMapping/>
   </p:clrMapOvr>
-  <mc:AlternateContent xmlns:mc="http://schemas.openxmlformats.org/markup-compatibility/2006">
-    <mc:Choice xmlns:p14="http://schemas.microsoft.com/office/powerpoint/2010/main" Requires="p14">
+  <mc:AlternateContent xmlns:mc="http://schemas.openxmlformats.org/markup-compatibility/2006" xmlns:p14="http://schemas.microsoft.com/office/powerpoint/2010/main">
+    <mc:Choice Requires="p14">
       <p:transition spd="med" p14:dur="700">
         <p:fade/>
       </p:transition>
     </mc:Choice>
-    <mc:Fallback>
+    <mc:Fallback xmlns="">
       <p:transition spd="med">
         <p:fade/>
       </p:transition>
@@ -13348,6 +13917,34 @@
           </a:p>
         </p:txBody>
       </p:sp>
+      <p:sp>
+        <p:nvSpPr>
+          <p:cNvPr id="2" name="Footer Placeholder 1">
+            <a:extLst>
+              <a:ext uri="{FF2B5EF4-FFF2-40B4-BE49-F238E27FC236}">
+                <a16:creationId xmlns:a16="http://schemas.microsoft.com/office/drawing/2014/main" id="{7243B834-2660-3868-4DC2-E53CA0AE21BE}"/>
+              </a:ext>
+            </a:extLst>
+          </p:cNvPr>
+          <p:cNvSpPr>
+            <a:spLocks noGrp="1"/>
+          </p:cNvSpPr>
+          <p:nvPr>
+            <p:ph type="ftr" sz="quarter" idx="11"/>
+          </p:nvPr>
+        </p:nvSpPr>
+        <p:spPr/>
+        <p:txBody>
+          <a:bodyPr/>
+          <a:lstStyle/>
+          <a:p>
+            <a:r>
+              <a:rPr lang="en-US"/>
+              <a:t>Visit Murat Karakaya Akademi YouTube Channel for the tutorial video</a:t>
+            </a:r>
+          </a:p>
+        </p:txBody>
+      </p:sp>
     </p:spTree>
     <p:extLst>
       <p:ext uri="{BB962C8B-B14F-4D97-AF65-F5344CB8AC3E}">
@@ -13771,13 +14368,13 @@
   <p:clrMapOvr>
     <a:masterClrMapping/>
   </p:clrMapOvr>
-  <mc:AlternateContent xmlns:mc="http://schemas.openxmlformats.org/markup-compatibility/2006">
-    <mc:Choice xmlns:p14="http://schemas.microsoft.com/office/powerpoint/2010/main" Requires="p14">
+  <mc:AlternateContent xmlns:mc="http://schemas.openxmlformats.org/markup-compatibility/2006" xmlns:p14="http://schemas.microsoft.com/office/powerpoint/2010/main">
+    <mc:Choice Requires="p14">
       <p:transition spd="med" p14:dur="700">
         <p:fade/>
       </p:transition>
     </mc:Choice>
-    <mc:Fallback>
+    <mc:Fallback xmlns="">
       <p:transition spd="med">
         <p:fade/>
       </p:transition>
@@ -14065,13 +14662,13 @@
   <p:clrMapOvr>
     <a:masterClrMapping/>
   </p:clrMapOvr>
-  <mc:AlternateContent xmlns:mc="http://schemas.openxmlformats.org/markup-compatibility/2006">
-    <mc:Choice xmlns:p14="http://schemas.microsoft.com/office/powerpoint/2010/main" Requires="p14">
+  <mc:AlternateContent xmlns:mc="http://schemas.openxmlformats.org/markup-compatibility/2006" xmlns:p14="http://schemas.microsoft.com/office/powerpoint/2010/main">
+    <mc:Choice Requires="p14">
       <p:transition spd="med" p14:dur="700">
         <p:fade/>
       </p:transition>
     </mc:Choice>
-    <mc:Fallback>
+    <mc:Fallback xmlns="">
       <p:transition spd="med">
         <p:fade/>
       </p:transition>
@@ -14503,13 +15100,13 @@
   <p:clrMapOvr>
     <a:masterClrMapping/>
   </p:clrMapOvr>
-  <mc:AlternateContent xmlns:mc="http://schemas.openxmlformats.org/markup-compatibility/2006">
-    <mc:Choice xmlns:p14="http://schemas.microsoft.com/office/powerpoint/2010/main" Requires="p14">
+  <mc:AlternateContent xmlns:mc="http://schemas.openxmlformats.org/markup-compatibility/2006" xmlns:p14="http://schemas.microsoft.com/office/powerpoint/2010/main">
+    <mc:Choice Requires="p14">
       <p:transition spd="med" p14:dur="700">
         <p:fade/>
       </p:transition>
     </mc:Choice>
-    <mc:Fallback>
+    <mc:Fallback xmlns="">
       <p:transition spd="med">
         <p:fade/>
       </p:transition>
@@ -14769,6 +15366,34 @@
           </a:extLst>
         </p:spPr>
       </p:pic>
+      <p:sp>
+        <p:nvSpPr>
+          <p:cNvPr id="2" name="Footer Placeholder 1">
+            <a:extLst>
+              <a:ext uri="{FF2B5EF4-FFF2-40B4-BE49-F238E27FC236}">
+                <a16:creationId xmlns:a16="http://schemas.microsoft.com/office/drawing/2014/main" id="{88633CFE-DAF7-3FE2-720A-3F6CB459D788}"/>
+              </a:ext>
+            </a:extLst>
+          </p:cNvPr>
+          <p:cNvSpPr>
+            <a:spLocks noGrp="1"/>
+          </p:cNvSpPr>
+          <p:nvPr>
+            <p:ph type="ftr" sz="quarter" idx="11"/>
+          </p:nvPr>
+        </p:nvSpPr>
+        <p:spPr/>
+        <p:txBody>
+          <a:bodyPr/>
+          <a:lstStyle/>
+          <a:p>
+            <a:r>
+              <a:rPr lang="en-US"/>
+              <a:t>Visit Murat Karakaya Akademi YouTube Channel for the tutorial video</a:t>
+            </a:r>
+          </a:p>
+        </p:txBody>
+      </p:sp>
     </p:spTree>
     <p:extLst>
       <p:ext uri="{BB962C8B-B14F-4D97-AF65-F5344CB8AC3E}">
@@ -14779,13 +15404,13 @@
   <p:clrMapOvr>
     <a:masterClrMapping/>
   </p:clrMapOvr>
-  <mc:AlternateContent xmlns:mc="http://schemas.openxmlformats.org/markup-compatibility/2006">
-    <mc:Choice xmlns:p14="http://schemas.microsoft.com/office/powerpoint/2010/main" Requires="p14">
+  <mc:AlternateContent xmlns:mc="http://schemas.openxmlformats.org/markup-compatibility/2006" xmlns:p14="http://schemas.microsoft.com/office/powerpoint/2010/main">
+    <mc:Choice Requires="p14">
       <p:transition spd="med" p14:dur="700">
         <p:fade/>
       </p:transition>
     </mc:Choice>
-    <mc:Fallback>
+    <mc:Fallback xmlns="">
       <p:transition spd="med">
         <p:fade/>
       </p:transition>
@@ -14919,6 +15544,34 @@
           </a:p>
         </p:txBody>
       </p:sp>
+      <p:sp>
+        <p:nvSpPr>
+          <p:cNvPr id="2" name="Footer Placeholder 1">
+            <a:extLst>
+              <a:ext uri="{FF2B5EF4-FFF2-40B4-BE49-F238E27FC236}">
+                <a16:creationId xmlns:a16="http://schemas.microsoft.com/office/drawing/2014/main" id="{FABE37B2-BBDC-8E5E-4B14-AC6CDBBA53EA}"/>
+              </a:ext>
+            </a:extLst>
+          </p:cNvPr>
+          <p:cNvSpPr>
+            <a:spLocks noGrp="1"/>
+          </p:cNvSpPr>
+          <p:nvPr>
+            <p:ph type="ftr" sz="quarter" idx="11"/>
+          </p:nvPr>
+        </p:nvSpPr>
+        <p:spPr/>
+        <p:txBody>
+          <a:bodyPr/>
+          <a:lstStyle/>
+          <a:p>
+            <a:r>
+              <a:rPr lang="en-US"/>
+              <a:t>Visit Murat Karakaya Akademi YouTube Channel for the tutorial video</a:t>
+            </a:r>
+          </a:p>
+        </p:txBody>
+      </p:sp>
     </p:spTree>
     <p:extLst>
       <p:ext uri="{BB962C8B-B14F-4D97-AF65-F5344CB8AC3E}">
@@ -14929,13 +15582,13 @@
   <p:clrMapOvr>
     <a:masterClrMapping/>
   </p:clrMapOvr>
-  <mc:AlternateContent xmlns:mc="http://schemas.openxmlformats.org/markup-compatibility/2006">
-    <mc:Choice xmlns:p14="http://schemas.microsoft.com/office/powerpoint/2010/main" Requires="p14">
+  <mc:AlternateContent xmlns:mc="http://schemas.openxmlformats.org/markup-compatibility/2006" xmlns:p14="http://schemas.microsoft.com/office/powerpoint/2010/main">
+    <mc:Choice Requires="p14">
       <p:transition spd="med" p14:dur="700">
         <p:fade/>
       </p:transition>
     </mc:Choice>
-    <mc:Fallback>
+    <mc:Fallback xmlns="">
       <p:transition spd="med">
         <p:fade/>
       </p:transition>
@@ -15205,6 +15858,34 @@
           </a:p>
         </p:txBody>
       </p:sp>
+      <p:sp>
+        <p:nvSpPr>
+          <p:cNvPr id="2" name="Footer Placeholder 1">
+            <a:extLst>
+              <a:ext uri="{FF2B5EF4-FFF2-40B4-BE49-F238E27FC236}">
+                <a16:creationId xmlns:a16="http://schemas.microsoft.com/office/drawing/2014/main" id="{C4EF363E-0027-ABA8-0F54-D01F5B6FAFC2}"/>
+              </a:ext>
+            </a:extLst>
+          </p:cNvPr>
+          <p:cNvSpPr>
+            <a:spLocks noGrp="1"/>
+          </p:cNvSpPr>
+          <p:nvPr>
+            <p:ph type="ftr" sz="quarter" idx="11"/>
+          </p:nvPr>
+        </p:nvSpPr>
+        <p:spPr/>
+        <p:txBody>
+          <a:bodyPr/>
+          <a:lstStyle/>
+          <a:p>
+            <a:r>
+              <a:rPr lang="en-US"/>
+              <a:t>Visit Murat Karakaya Akademi YouTube Channel for the tutorial video</a:t>
+            </a:r>
+          </a:p>
+        </p:txBody>
+      </p:sp>
     </p:spTree>
     <p:extLst>
       <p:ext uri="{BB962C8B-B14F-4D97-AF65-F5344CB8AC3E}">
@@ -15215,13 +15896,13 @@
   <p:clrMapOvr>
     <a:masterClrMapping/>
   </p:clrMapOvr>
-  <mc:AlternateContent xmlns:mc="http://schemas.openxmlformats.org/markup-compatibility/2006">
-    <mc:Choice xmlns:p14="http://schemas.microsoft.com/office/powerpoint/2010/main" Requires="p14">
+  <mc:AlternateContent xmlns:mc="http://schemas.openxmlformats.org/markup-compatibility/2006" xmlns:p14="http://schemas.microsoft.com/office/powerpoint/2010/main">
+    <mc:Choice Requires="p14">
       <p:transition spd="med" p14:dur="700">
         <p:fade/>
       </p:transition>
     </mc:Choice>
-    <mc:Fallback>
+    <mc:Fallback xmlns="">
       <p:transition spd="med">
         <p:fade/>
       </p:transition>
@@ -15474,6 +16155,34 @@
           </a:p>
         </p:txBody>
       </p:sp>
+      <p:sp>
+        <p:nvSpPr>
+          <p:cNvPr id="2" name="Footer Placeholder 1">
+            <a:extLst>
+              <a:ext uri="{FF2B5EF4-FFF2-40B4-BE49-F238E27FC236}">
+                <a16:creationId xmlns:a16="http://schemas.microsoft.com/office/drawing/2014/main" id="{90FBF5C6-E5B0-21CF-87A3-1EF3F9B53AD1}"/>
+              </a:ext>
+            </a:extLst>
+          </p:cNvPr>
+          <p:cNvSpPr>
+            <a:spLocks noGrp="1"/>
+          </p:cNvSpPr>
+          <p:nvPr>
+            <p:ph type="ftr" sz="quarter" idx="11"/>
+          </p:nvPr>
+        </p:nvSpPr>
+        <p:spPr/>
+        <p:txBody>
+          <a:bodyPr/>
+          <a:lstStyle/>
+          <a:p>
+            <a:r>
+              <a:rPr lang="en-US"/>
+              <a:t>Visit Murat Karakaya Akademi YouTube Channel for the tutorial video</a:t>
+            </a:r>
+          </a:p>
+        </p:txBody>
+      </p:sp>
     </p:spTree>
     <p:extLst>
       <p:ext uri="{BB962C8B-B14F-4D97-AF65-F5344CB8AC3E}">
@@ -15484,13 +16193,13 @@
   <p:clrMapOvr>
     <a:masterClrMapping/>
   </p:clrMapOvr>
-  <mc:AlternateContent xmlns:mc="http://schemas.openxmlformats.org/markup-compatibility/2006">
-    <mc:Choice xmlns:p14="http://schemas.microsoft.com/office/powerpoint/2010/main" Requires="p14">
+  <mc:AlternateContent xmlns:mc="http://schemas.openxmlformats.org/markup-compatibility/2006" xmlns:p14="http://schemas.microsoft.com/office/powerpoint/2010/main">
+    <mc:Choice Requires="p14">
       <p:transition spd="med" p14:dur="700">
         <p:fade/>
       </p:transition>
     </mc:Choice>
-    <mc:Fallback>
+    <mc:Fallback xmlns="">
       <p:transition spd="med">
         <p:fade/>
       </p:transition>
@@ -15677,6 +16386,34 @@
           <a:noFill/>
         </p:spPr>
       </p:pic>
+      <p:sp>
+        <p:nvSpPr>
+          <p:cNvPr id="2" name="Footer Placeholder 1">
+            <a:extLst>
+              <a:ext uri="{FF2B5EF4-FFF2-40B4-BE49-F238E27FC236}">
+                <a16:creationId xmlns:a16="http://schemas.microsoft.com/office/drawing/2014/main" id="{BEF881AE-E40F-AEF9-7A8D-F977DA335448}"/>
+              </a:ext>
+            </a:extLst>
+          </p:cNvPr>
+          <p:cNvSpPr>
+            <a:spLocks noGrp="1"/>
+          </p:cNvSpPr>
+          <p:nvPr>
+            <p:ph type="ftr" sz="quarter" idx="11"/>
+          </p:nvPr>
+        </p:nvSpPr>
+        <p:spPr/>
+        <p:txBody>
+          <a:bodyPr/>
+          <a:lstStyle/>
+          <a:p>
+            <a:r>
+              <a:rPr lang="en-US"/>
+              <a:t>Visit Murat Karakaya Akademi YouTube Channel for the tutorial video</a:t>
+            </a:r>
+          </a:p>
+        </p:txBody>
+      </p:sp>
     </p:spTree>
     <p:extLst>
       <p:ext uri="{BB962C8B-B14F-4D97-AF65-F5344CB8AC3E}">
@@ -15687,13 +16424,13 @@
   <p:clrMapOvr>
     <a:masterClrMapping/>
   </p:clrMapOvr>
-  <mc:AlternateContent xmlns:mc="http://schemas.openxmlformats.org/markup-compatibility/2006">
-    <mc:Choice xmlns:p14="http://schemas.microsoft.com/office/powerpoint/2010/main" Requires="p14">
+  <mc:AlternateContent xmlns:mc="http://schemas.openxmlformats.org/markup-compatibility/2006" xmlns:p14="http://schemas.microsoft.com/office/powerpoint/2010/main">
+    <mc:Choice Requires="p14">
       <p:transition spd="med" p14:dur="700">
         <p:fade/>
       </p:transition>
     </mc:Choice>
-    <mc:Fallback>
+    <mc:Fallback xmlns="">
       <p:transition spd="med">
         <p:fade/>
       </p:transition>
@@ -15873,13 +16610,13 @@
   <p:clrMapOvr>
     <a:masterClrMapping/>
   </p:clrMapOvr>
-  <mc:AlternateContent xmlns:mc="http://schemas.openxmlformats.org/markup-compatibility/2006">
-    <mc:Choice xmlns:p14="http://schemas.microsoft.com/office/powerpoint/2010/main" Requires="p14">
+  <mc:AlternateContent xmlns:mc="http://schemas.openxmlformats.org/markup-compatibility/2006" xmlns:p14="http://schemas.microsoft.com/office/powerpoint/2010/main">
+    <mc:Choice Requires="p14">
       <p:transition spd="med" p14:dur="700">
         <p:fade/>
       </p:transition>
     </mc:Choice>
-    <mc:Fallback>
+    <mc:Fallback xmlns="">
       <p:transition spd="med">
         <p:fade/>
       </p:transition>
@@ -16132,6 +16869,34 @@
           </a:prstGeom>
         </p:spPr>
       </p:pic>
+      <p:sp>
+        <p:nvSpPr>
+          <p:cNvPr id="2" name="Footer Placeholder 1">
+            <a:extLst>
+              <a:ext uri="{FF2B5EF4-FFF2-40B4-BE49-F238E27FC236}">
+                <a16:creationId xmlns:a16="http://schemas.microsoft.com/office/drawing/2014/main" id="{BFC7FECB-664B-99D2-3FF4-25760C8B7071}"/>
+              </a:ext>
+            </a:extLst>
+          </p:cNvPr>
+          <p:cNvSpPr>
+            <a:spLocks noGrp="1"/>
+          </p:cNvSpPr>
+          <p:nvPr>
+            <p:ph type="ftr" sz="quarter" idx="11"/>
+          </p:nvPr>
+        </p:nvSpPr>
+        <p:spPr/>
+        <p:txBody>
+          <a:bodyPr/>
+          <a:lstStyle/>
+          <a:p>
+            <a:r>
+              <a:rPr lang="en-US"/>
+              <a:t>Visit Murat Karakaya Akademi YouTube Channel for the tutorial video</a:t>
+            </a:r>
+          </a:p>
+        </p:txBody>
+      </p:sp>
     </p:spTree>
     <p:extLst>
       <p:ext uri="{BB962C8B-B14F-4D97-AF65-F5344CB8AC3E}">
@@ -16142,13 +16907,13 @@
   <p:clrMapOvr>
     <a:masterClrMapping/>
   </p:clrMapOvr>
-  <mc:AlternateContent xmlns:mc="http://schemas.openxmlformats.org/markup-compatibility/2006">
-    <mc:Choice xmlns:p14="http://schemas.microsoft.com/office/powerpoint/2010/main" Requires="p14">
+  <mc:AlternateContent xmlns:mc="http://schemas.openxmlformats.org/markup-compatibility/2006" xmlns:p14="http://schemas.microsoft.com/office/powerpoint/2010/main">
+    <mc:Choice Requires="p14">
       <p:transition spd="med" p14:dur="700">
         <p:fade/>
       </p:transition>
     </mc:Choice>
-    <mc:Fallback>
+    <mc:Fallback xmlns="">
       <p:transition spd="med">
         <p:fade/>
       </p:transition>
@@ -16459,6 +17224,34 @@
           </a:extLst>
         </p:spPr>
       </p:pic>
+      <p:sp>
+        <p:nvSpPr>
+          <p:cNvPr id="3" name="Footer Placeholder 2">
+            <a:extLst>
+              <a:ext uri="{FF2B5EF4-FFF2-40B4-BE49-F238E27FC236}">
+                <a16:creationId xmlns:a16="http://schemas.microsoft.com/office/drawing/2014/main" id="{7B049234-0869-E759-5107-A56D6CBEBEA0}"/>
+              </a:ext>
+            </a:extLst>
+          </p:cNvPr>
+          <p:cNvSpPr>
+            <a:spLocks noGrp="1"/>
+          </p:cNvSpPr>
+          <p:nvPr>
+            <p:ph type="ftr" sz="quarter" idx="11"/>
+          </p:nvPr>
+        </p:nvSpPr>
+        <p:spPr/>
+        <p:txBody>
+          <a:bodyPr/>
+          <a:lstStyle/>
+          <a:p>
+            <a:r>
+              <a:rPr lang="en-US"/>
+              <a:t>Visit Murat Karakaya Akademi YouTube Channel for the tutorial video</a:t>
+            </a:r>
+          </a:p>
+        </p:txBody>
+      </p:sp>
     </p:spTree>
     <p:extLst>
       <p:ext uri="{BB962C8B-B14F-4D97-AF65-F5344CB8AC3E}">
@@ -16798,6 +17591,34 @@
           </a:solidFill>
         </p:spPr>
       </p:pic>
+      <p:sp>
+        <p:nvSpPr>
+          <p:cNvPr id="2" name="Footer Placeholder 1">
+            <a:extLst>
+              <a:ext uri="{FF2B5EF4-FFF2-40B4-BE49-F238E27FC236}">
+                <a16:creationId xmlns:a16="http://schemas.microsoft.com/office/drawing/2014/main" id="{BA22D26F-7297-3661-4CE4-BA8BB378C66F}"/>
+              </a:ext>
+            </a:extLst>
+          </p:cNvPr>
+          <p:cNvSpPr>
+            <a:spLocks noGrp="1"/>
+          </p:cNvSpPr>
+          <p:nvPr>
+            <p:ph type="ftr" sz="quarter" idx="11"/>
+          </p:nvPr>
+        </p:nvSpPr>
+        <p:spPr/>
+        <p:txBody>
+          <a:bodyPr/>
+          <a:lstStyle/>
+          <a:p>
+            <a:r>
+              <a:rPr lang="en-US"/>
+              <a:t>Visit Murat Karakaya Akademi YouTube Channel for the tutorial video</a:t>
+            </a:r>
+          </a:p>
+        </p:txBody>
+      </p:sp>
     </p:spTree>
     <p:extLst>
       <p:ext uri="{BB962C8B-B14F-4D97-AF65-F5344CB8AC3E}">
@@ -17534,6 +18355,34 @@
           </a:extLst>
         </p:spPr>
       </p:pic>
+      <p:sp>
+        <p:nvSpPr>
+          <p:cNvPr id="3" name="Footer Placeholder 2">
+            <a:extLst>
+              <a:ext uri="{FF2B5EF4-FFF2-40B4-BE49-F238E27FC236}">
+                <a16:creationId xmlns:a16="http://schemas.microsoft.com/office/drawing/2014/main" id="{4C28E477-1D68-A707-4080-377025146496}"/>
+              </a:ext>
+            </a:extLst>
+          </p:cNvPr>
+          <p:cNvSpPr>
+            <a:spLocks noGrp="1"/>
+          </p:cNvSpPr>
+          <p:nvPr>
+            <p:ph type="ftr" sz="quarter" idx="11"/>
+          </p:nvPr>
+        </p:nvSpPr>
+        <p:spPr/>
+        <p:txBody>
+          <a:bodyPr/>
+          <a:lstStyle/>
+          <a:p>
+            <a:r>
+              <a:rPr lang="en-US"/>
+              <a:t>Visit Murat Karakaya Akademi YouTube Channel for the tutorial video</a:t>
+            </a:r>
+          </a:p>
+        </p:txBody>
+      </p:sp>
     </p:spTree>
     <p:extLst>
       <p:ext uri="{BB962C8B-B14F-4D97-AF65-F5344CB8AC3E}">
@@ -17544,13 +18393,13 @@
   <p:clrMapOvr>
     <a:masterClrMapping/>
   </p:clrMapOvr>
-  <mc:AlternateContent xmlns:mc="http://schemas.openxmlformats.org/markup-compatibility/2006">
-    <mc:Choice xmlns:p14="http://schemas.microsoft.com/office/powerpoint/2010/main" Requires="p14">
+  <mc:AlternateContent xmlns:mc="http://schemas.openxmlformats.org/markup-compatibility/2006" xmlns:p14="http://schemas.microsoft.com/office/powerpoint/2010/main">
+    <mc:Choice Requires="p14">
       <p:transition spd="med" p14:dur="700">
         <p:fade/>
       </p:transition>
     </mc:Choice>
-    <mc:Fallback>
+    <mc:Fallback xmlns="">
       <p:transition spd="med">
         <p:fade/>
       </p:transition>
@@ -17726,13 +18575,13 @@
   <p:clrMapOvr>
     <a:masterClrMapping/>
   </p:clrMapOvr>
-  <mc:AlternateContent xmlns:mc="http://schemas.openxmlformats.org/markup-compatibility/2006">
-    <mc:Choice xmlns:p14="http://schemas.microsoft.com/office/powerpoint/2010/main" Requires="p14">
+  <mc:AlternateContent xmlns:mc="http://schemas.openxmlformats.org/markup-compatibility/2006" xmlns:p14="http://schemas.microsoft.com/office/powerpoint/2010/main">
+    <mc:Choice Requires="p14">
       <p:transition spd="med" p14:dur="700">
         <p:fade/>
       </p:transition>
     </mc:Choice>
-    <mc:Fallback>
+    <mc:Fallback xmlns="">
       <p:transition spd="med">
         <p:fade/>
       </p:transition>
@@ -18489,15 +19338,6 @@
 </file>
 
 <file path=customXml/item1.xml><?xml version="1.0" encoding="utf-8"?>
-<?mso-contentType ?>
-<FormTemplates xmlns="http://schemas.microsoft.com/sharepoint/v3/contenttype/forms">
-  <Display>DocumentLibraryForm</Display>
-  <Edit>AssetEditForm</Edit>
-  <New>DocumentLibraryForm</New>
-</FormTemplates>
-</file>
-
-<file path=customXml/item2.xml><?xml version="1.0" encoding="utf-8"?>
 <p:properties xmlns:p="http://schemas.microsoft.com/office/2006/metadata/properties" xmlns:xsi="http://www.w3.org/2001/XMLSchema-instance" xmlns:pc="http://schemas.microsoft.com/office/infopath/2007/PartnerControls">
   <documentManagement>
     <APDescription xmlns="4873beb7-5857-4685-be1f-d57550cc96cc" xsi:nil="true"/>
@@ -18623,7 +19463,7 @@
 </p:properties>
 </file>
 
-<file path=customXml/item3.xml><?xml version="1.0" encoding="utf-8"?>
+<file path=customXml/item2.xml><?xml version="1.0" encoding="utf-8"?>
 <ct:contentTypeSchema xmlns:ct="http://schemas.microsoft.com/office/2006/metadata/contentType" xmlns:ma="http://schemas.microsoft.com/office/2006/metadata/properties/metaAttributes" ct:_="" ma:_="" ma:contentTypeName="TemplateFile" ma:contentTypeID="0x0101006EDDDB5EE6D98C44930B742096920B300400F5B6D36B3EF94B4E9A635CDF2A18F5B8" ma:contentTypeVersion="72" ma:contentTypeDescription="Create a new document." ma:contentTypeScope="" ma:versionID="a23e56308344d904b51738559c3d67c9">
   <xsd:schema xmlns:xsd="http://www.w3.org/2001/XMLSchema" xmlns:xs="http://www.w3.org/2001/XMLSchema" xmlns:p="http://schemas.microsoft.com/office/2006/metadata/properties" xmlns:ns2="4873beb7-5857-4685-be1f-d57550cc96cc" targetNamespace="http://schemas.microsoft.com/office/2006/metadata/properties" ma:root="true" ma:fieldsID="cd0908cc4600e77bf5da051303e00c8d" ns2:_="">
     <xsd:import namespace="4873beb7-5857-4685-be1f-d57550cc96cc"/>
@@ -19663,31 +20503,32 @@
 </ct:contentTypeSchema>
 </file>
 
+<file path=customXml/item3.xml><?xml version="1.0" encoding="utf-8"?>
+<?mso-contentType ?>
+<FormTemplates xmlns="http://schemas.microsoft.com/sharepoint/v3/contenttype/forms">
+  <Display>DocumentLibraryForm</Display>
+  <Edit>AssetEditForm</Edit>
+  <New>DocumentLibraryForm</New>
+</FormTemplates>
+</file>
+
 <file path=customXml/itemProps1.xml><?xml version="1.0" encoding="utf-8"?>
-<ds:datastoreItem xmlns:ds="http://schemas.openxmlformats.org/officeDocument/2006/customXml" ds:itemID="{561E720F-F05D-4536-9C34-0CFCED65D3B7}">
+<ds:datastoreItem xmlns:ds="http://schemas.openxmlformats.org/officeDocument/2006/customXml" ds:itemID="{8CDDBB83-77C1-4099-A0AA-289882E745E2}">
   <ds:schemaRefs>
-    <ds:schemaRef ds:uri="http://schemas.microsoft.com/sharepoint/v3/contenttype/forms"/>
+    <ds:schemaRef ds:uri="http://purl.org/dc/dcmitype/"/>
+    <ds:schemaRef ds:uri="4873beb7-5857-4685-be1f-d57550cc96cc"/>
+    <ds:schemaRef ds:uri="http://purl.org/dc/terms/"/>
+    <ds:schemaRef ds:uri="http://schemas.microsoft.com/office/2006/metadata/properties"/>
+    <ds:schemaRef ds:uri="http://www.w3.org/XML/1998/namespace"/>
+    <ds:schemaRef ds:uri="http://schemas.microsoft.com/office/2006/documentManagement/types"/>
+    <ds:schemaRef ds:uri="http://purl.org/dc/elements/1.1/"/>
+    <ds:schemaRef ds:uri="http://schemas.microsoft.com/office/infopath/2007/PartnerControls"/>
+    <ds:schemaRef ds:uri="http://schemas.openxmlformats.org/package/2006/metadata/core-properties"/>
   </ds:schemaRefs>
 </ds:datastoreItem>
 </file>
 
 <file path=customXml/itemProps2.xml><?xml version="1.0" encoding="utf-8"?>
-<ds:datastoreItem xmlns:ds="http://schemas.openxmlformats.org/officeDocument/2006/customXml" ds:itemID="{8CDDBB83-77C1-4099-A0AA-289882E745E2}">
-  <ds:schemaRefs>
-    <ds:schemaRef ds:uri="http://purl.org/dc/elements/1.1/"/>
-    <ds:schemaRef ds:uri="http://schemas.microsoft.com/office/2006/metadata/properties"/>
-    <ds:schemaRef ds:uri="4873beb7-5857-4685-be1f-d57550cc96cc"/>
-    <ds:schemaRef ds:uri="http://schemas.openxmlformats.org/package/2006/metadata/core-properties"/>
-    <ds:schemaRef ds:uri="http://purl.org/dc/terms/"/>
-    <ds:schemaRef ds:uri="http://schemas.microsoft.com/office/2006/documentManagement/types"/>
-    <ds:schemaRef ds:uri="http://schemas.microsoft.com/office/infopath/2007/PartnerControls"/>
-    <ds:schemaRef ds:uri="http://www.w3.org/XML/1998/namespace"/>
-    <ds:schemaRef ds:uri="http://purl.org/dc/dcmitype/"/>
-  </ds:schemaRefs>
-</ds:datastoreItem>
-</file>
-
-<file path=customXml/itemProps3.xml><?xml version="1.0" encoding="utf-8"?>
 <ds:datastoreItem xmlns:ds="http://schemas.openxmlformats.org/officeDocument/2006/customXml" ds:itemID="{28C8B9CA-0273-4370-889A-FC05DA5C2FA5}">
   <ds:schemaRefs>
     <ds:schemaRef ds:uri="http://schemas.microsoft.com/office/2006/metadata/contentType"/>
@@ -19703,4 +20544,12 @@
     <ds:schemaRef ds:uri="http://schemas.microsoft.com/internal/obd"/>
   </ds:schemaRefs>
 </ds:datastoreItem>
+</file>
+
+<file path=customXml/itemProps3.xml><?xml version="1.0" encoding="utf-8"?>
+<ds:datastoreItem xmlns:ds="http://schemas.openxmlformats.org/officeDocument/2006/customXml" ds:itemID="{561E720F-F05D-4536-9C34-0CFCED65D3B7}">
+  <ds:schemaRefs>
+    <ds:schemaRef ds:uri="http://schemas.microsoft.com/sharepoint/v3/contenttype/forms"/>
+  </ds:schemaRefs>
+</ds:datastoreItem>
 </file>